--- a/docs/Apresentação Cadastro de Produtos.pptx
+++ b/docs/Apresentação Cadastro de Produtos.pptx
@@ -237,7 +237,7 @@
           <a:p>
             <a:fld id="{B7268E1E-0E44-426D-905E-8AD9B19D2182}" type="datetimeFigureOut">
               <a:rPr lang="cs-CZ" smtClean="0"/>
-              <a:t>12.11.2025</a:t>
+              <a:t>14.11.2025</a:t>
             </a:fld>
             <a:endParaRPr lang="cs-CZ"/>
           </a:p>
@@ -4985,7 +4985,7 @@
             <a:fld id="{1D8BD707-D9CF-40AE-B4C6-C98DA3205C09}" type="datetimeFigureOut">
               <a:rPr lang="en-US" smtClean="0"/>
               <a:pPr/>
-              <a:t>11/12/2025</a:t>
+              <a:t>11/14/2025</a:t>
             </a:fld>
             <a:endParaRPr lang="en-US"/>
           </a:p>
@@ -5150,7 +5150,7 @@
             <a:fld id="{1D8BD707-D9CF-40AE-B4C6-C98DA3205C09}" type="datetimeFigureOut">
               <a:rPr lang="en-US" smtClean="0"/>
               <a:pPr/>
-              <a:t>11/12/2025</a:t>
+              <a:t>11/14/2025</a:t>
             </a:fld>
             <a:endParaRPr lang="en-US"/>
           </a:p>
@@ -5325,7 +5325,7 @@
             <a:fld id="{1D8BD707-D9CF-40AE-B4C6-C98DA3205C09}" type="datetimeFigureOut">
               <a:rPr lang="en-US" smtClean="0"/>
               <a:pPr/>
-              <a:t>11/12/2025</a:t>
+              <a:t>11/14/2025</a:t>
             </a:fld>
             <a:endParaRPr lang="en-US"/>
           </a:p>
@@ -5490,7 +5490,7 @@
             <a:fld id="{1D8BD707-D9CF-40AE-B4C6-C98DA3205C09}" type="datetimeFigureOut">
               <a:rPr lang="en-US" smtClean="0"/>
               <a:pPr/>
-              <a:t>11/12/2025</a:t>
+              <a:t>11/14/2025</a:t>
             </a:fld>
             <a:endParaRPr lang="en-US"/>
           </a:p>
@@ -5732,7 +5732,7 @@
             <a:fld id="{1D8BD707-D9CF-40AE-B4C6-C98DA3205C09}" type="datetimeFigureOut">
               <a:rPr lang="en-US" smtClean="0"/>
               <a:pPr/>
-              <a:t>11/12/2025</a:t>
+              <a:t>11/14/2025</a:t>
             </a:fld>
             <a:endParaRPr lang="en-US"/>
           </a:p>
@@ -6014,7 +6014,7 @@
             <a:fld id="{1D8BD707-D9CF-40AE-B4C6-C98DA3205C09}" type="datetimeFigureOut">
               <a:rPr lang="en-US" smtClean="0"/>
               <a:pPr/>
-              <a:t>11/12/2025</a:t>
+              <a:t>11/14/2025</a:t>
             </a:fld>
             <a:endParaRPr lang="en-US"/>
           </a:p>
@@ -6430,7 +6430,7 @@
             <a:fld id="{1D8BD707-D9CF-40AE-B4C6-C98DA3205C09}" type="datetimeFigureOut">
               <a:rPr lang="en-US" smtClean="0"/>
               <a:pPr/>
-              <a:t>11/12/2025</a:t>
+              <a:t>11/14/2025</a:t>
             </a:fld>
             <a:endParaRPr lang="en-US"/>
           </a:p>
@@ -6544,7 +6544,7 @@
             <a:fld id="{1D8BD707-D9CF-40AE-B4C6-C98DA3205C09}" type="datetimeFigureOut">
               <a:rPr lang="en-US" smtClean="0"/>
               <a:pPr/>
-              <a:t>11/12/2025</a:t>
+              <a:t>11/14/2025</a:t>
             </a:fld>
             <a:endParaRPr lang="en-US"/>
           </a:p>
@@ -6636,7 +6636,7 @@
             <a:fld id="{1D8BD707-D9CF-40AE-B4C6-C98DA3205C09}" type="datetimeFigureOut">
               <a:rPr lang="en-US" smtClean="0"/>
               <a:pPr/>
-              <a:t>11/12/2025</a:t>
+              <a:t>11/14/2025</a:t>
             </a:fld>
             <a:endParaRPr lang="en-US"/>
           </a:p>
@@ -6908,7 +6908,7 @@
             <a:fld id="{1D8BD707-D9CF-40AE-B4C6-C98DA3205C09}" type="datetimeFigureOut">
               <a:rPr lang="en-US" smtClean="0"/>
               <a:pPr/>
-              <a:t>11/12/2025</a:t>
+              <a:t>11/14/2025</a:t>
             </a:fld>
             <a:endParaRPr lang="en-US"/>
           </a:p>
@@ -7157,7 +7157,7 @@
             <a:fld id="{1D8BD707-D9CF-40AE-B4C6-C98DA3205C09}" type="datetimeFigureOut">
               <a:rPr lang="en-US" smtClean="0"/>
               <a:pPr/>
-              <a:t>11/12/2025</a:t>
+              <a:t>11/14/2025</a:t>
             </a:fld>
             <a:endParaRPr lang="en-US"/>
           </a:p>
@@ -7365,7 +7365,7 @@
             <a:fld id="{1D8BD707-D9CF-40AE-B4C6-C98DA3205C09}" type="datetimeFigureOut">
               <a:rPr lang="en-US" smtClean="0"/>
               <a:pPr/>
-              <a:t>11/12/2025</a:t>
+              <a:t>11/14/2025</a:t>
             </a:fld>
             <a:endParaRPr lang="en-US"/>
           </a:p>
@@ -16952,7 +16952,7 @@
               </a:lnSpc>
             </a:pPr>
             <a:r>
-              <a:rPr lang="en-US" sz="2025">
+              <a:rPr lang="en-US" sz="2025" dirty="0">
                 <a:solidFill>
                   <a:srgbClr val="CBD5E1"/>
                 </a:solidFill>
@@ -16961,7 +16961,127 @@
                 <a:cs typeface="Arimo"/>
                 <a:sym typeface="Arimo"/>
               </a:rPr>
-              <a:t>A segurança é baseada nas entidades Usuario e Perfil.</a:t>
+              <a:t>A </a:t>
+            </a:r>
+            <a:r>
+              <a:rPr lang="en-US" sz="2025" dirty="0" err="1">
+                <a:solidFill>
+                  <a:srgbClr val="CBD5E1"/>
+                </a:solidFill>
+                <a:latin typeface="Arimo"/>
+                <a:ea typeface="Arimo"/>
+                <a:cs typeface="Arimo"/>
+                <a:sym typeface="Arimo"/>
+              </a:rPr>
+              <a:t>segurança</a:t>
+            </a:r>
+            <a:r>
+              <a:rPr lang="en-US" sz="2025" dirty="0">
+                <a:solidFill>
+                  <a:srgbClr val="CBD5E1"/>
+                </a:solidFill>
+                <a:latin typeface="Arimo"/>
+                <a:ea typeface="Arimo"/>
+                <a:cs typeface="Arimo"/>
+                <a:sym typeface="Arimo"/>
+              </a:rPr>
+              <a:t> é </a:t>
+            </a:r>
+            <a:r>
+              <a:rPr lang="en-US" sz="2025" dirty="0" err="1">
+                <a:solidFill>
+                  <a:srgbClr val="CBD5E1"/>
+                </a:solidFill>
+                <a:latin typeface="Arimo"/>
+                <a:ea typeface="Arimo"/>
+                <a:cs typeface="Arimo"/>
+                <a:sym typeface="Arimo"/>
+              </a:rPr>
+              <a:t>baseada</a:t>
+            </a:r>
+            <a:r>
+              <a:rPr lang="en-US" sz="2025" dirty="0">
+                <a:solidFill>
+                  <a:srgbClr val="CBD5E1"/>
+                </a:solidFill>
+                <a:latin typeface="Arimo"/>
+                <a:ea typeface="Arimo"/>
+                <a:cs typeface="Arimo"/>
+                <a:sym typeface="Arimo"/>
+              </a:rPr>
+              <a:t> </a:t>
+            </a:r>
+            <a:r>
+              <a:rPr lang="en-US" sz="2025" dirty="0" err="1">
+                <a:solidFill>
+                  <a:srgbClr val="CBD5E1"/>
+                </a:solidFill>
+                <a:latin typeface="Arimo"/>
+                <a:ea typeface="Arimo"/>
+                <a:cs typeface="Arimo"/>
+                <a:sym typeface="Arimo"/>
+              </a:rPr>
+              <a:t>nas</a:t>
+            </a:r>
+            <a:r>
+              <a:rPr lang="en-US" sz="2025" dirty="0">
+                <a:solidFill>
+                  <a:srgbClr val="CBD5E1"/>
+                </a:solidFill>
+                <a:latin typeface="Arimo"/>
+                <a:ea typeface="Arimo"/>
+                <a:cs typeface="Arimo"/>
+                <a:sym typeface="Arimo"/>
+              </a:rPr>
+              <a:t> </a:t>
+            </a:r>
+            <a:r>
+              <a:rPr lang="en-US" sz="2025" dirty="0" err="1">
+                <a:solidFill>
+                  <a:srgbClr val="CBD5E1"/>
+                </a:solidFill>
+                <a:latin typeface="Arimo"/>
+                <a:ea typeface="Arimo"/>
+                <a:cs typeface="Arimo"/>
+                <a:sym typeface="Arimo"/>
+              </a:rPr>
+              <a:t>entidades</a:t>
+            </a:r>
+            <a:r>
+              <a:rPr lang="en-US" sz="2025" dirty="0">
+                <a:solidFill>
+                  <a:srgbClr val="CBD5E1"/>
+                </a:solidFill>
+                <a:latin typeface="Arimo"/>
+                <a:ea typeface="Arimo"/>
+                <a:cs typeface="Arimo"/>
+                <a:sym typeface="Arimo"/>
+              </a:rPr>
+              <a:t> Usuario e </a:t>
+            </a:r>
+            <a:r>
+              <a:rPr lang="en-US" sz="2025" dirty="0" err="1">
+                <a:solidFill>
+                  <a:srgbClr val="CBD5E1"/>
+                </a:solidFill>
+                <a:latin typeface="Arimo"/>
+                <a:ea typeface="Arimo"/>
+                <a:cs typeface="Arimo"/>
+                <a:sym typeface="Arimo"/>
+              </a:rPr>
+              <a:t>Perfil</a:t>
+            </a:r>
+            <a:r>
+              <a:rPr lang="en-US" sz="2025" dirty="0">
+                <a:solidFill>
+                  <a:srgbClr val="CBD5E1"/>
+                </a:solidFill>
+                <a:latin typeface="Arimo"/>
+                <a:ea typeface="Arimo"/>
+                <a:cs typeface="Arimo"/>
+                <a:sym typeface="Arimo"/>
+              </a:rPr>
+              <a:t>.</a:t>
             </a:r>
           </a:p>
         </p:txBody>
@@ -17063,7 +17183,7 @@
               </a:lnSpc>
             </a:pPr>
             <a:r>
-              <a:rPr lang="en-US" sz="2025">
+              <a:rPr lang="en-US" sz="2025" dirty="0">
                 <a:solidFill>
                   <a:srgbClr val="CBD5E1"/>
                 </a:solidFill>
@@ -17072,7 +17192,103 @@
                 <a:cs typeface="Arimo"/>
                 <a:sym typeface="Arimo"/>
               </a:rPr>
-              <a:t>A senha do Usuario deve ser criptografada (ex: com BCrypt).</a:t>
+              <a:t>A </a:t>
+            </a:r>
+            <a:r>
+              <a:rPr lang="en-US" sz="2025" dirty="0" err="1">
+                <a:solidFill>
+                  <a:srgbClr val="CBD5E1"/>
+                </a:solidFill>
+                <a:latin typeface="Arimo"/>
+                <a:ea typeface="Arimo"/>
+                <a:cs typeface="Arimo"/>
+                <a:sym typeface="Arimo"/>
+              </a:rPr>
+              <a:t>senha</a:t>
+            </a:r>
+            <a:r>
+              <a:rPr lang="en-US" sz="2025" dirty="0">
+                <a:solidFill>
+                  <a:srgbClr val="CBD5E1"/>
+                </a:solidFill>
+                <a:latin typeface="Arimo"/>
+                <a:ea typeface="Arimo"/>
+                <a:cs typeface="Arimo"/>
+                <a:sym typeface="Arimo"/>
+              </a:rPr>
+              <a:t> do Usuario </a:t>
+            </a:r>
+            <a:r>
+              <a:rPr lang="en-US" sz="2025" dirty="0" err="1">
+                <a:solidFill>
+                  <a:srgbClr val="CBD5E1"/>
+                </a:solidFill>
+                <a:latin typeface="Arimo"/>
+                <a:ea typeface="Arimo"/>
+                <a:cs typeface="Arimo"/>
+                <a:sym typeface="Arimo"/>
+              </a:rPr>
+              <a:t>deve</a:t>
+            </a:r>
+            <a:r>
+              <a:rPr lang="en-US" sz="2025" dirty="0">
+                <a:solidFill>
+                  <a:srgbClr val="CBD5E1"/>
+                </a:solidFill>
+                <a:latin typeface="Arimo"/>
+                <a:ea typeface="Arimo"/>
+                <a:cs typeface="Arimo"/>
+                <a:sym typeface="Arimo"/>
+              </a:rPr>
+              <a:t> ser </a:t>
+            </a:r>
+            <a:r>
+              <a:rPr lang="en-US" sz="2025" dirty="0" err="1">
+                <a:solidFill>
+                  <a:srgbClr val="CBD5E1"/>
+                </a:solidFill>
+                <a:latin typeface="Arimo"/>
+                <a:ea typeface="Arimo"/>
+                <a:cs typeface="Arimo"/>
+                <a:sym typeface="Arimo"/>
+              </a:rPr>
+              <a:t>criptografada</a:t>
+            </a:r>
+            <a:r>
+              <a:rPr lang="en-US" sz="2025" dirty="0">
+                <a:solidFill>
+                  <a:srgbClr val="CBD5E1"/>
+                </a:solidFill>
+                <a:latin typeface="Arimo"/>
+                <a:ea typeface="Arimo"/>
+                <a:cs typeface="Arimo"/>
+                <a:sym typeface="Arimo"/>
+              </a:rPr>
+              <a:t> (ex: com </a:t>
+            </a:r>
+            <a:r>
+              <a:rPr lang="en-US" sz="2025" dirty="0" err="1">
+                <a:solidFill>
+                  <a:srgbClr val="CBD5E1"/>
+                </a:solidFill>
+                <a:latin typeface="Arimo"/>
+                <a:ea typeface="Arimo"/>
+                <a:cs typeface="Arimo"/>
+                <a:sym typeface="Arimo"/>
+              </a:rPr>
+              <a:t>BCrypt</a:t>
+            </a:r>
+            <a:r>
+              <a:rPr lang="en-US" sz="2025" dirty="0">
+                <a:solidFill>
+                  <a:srgbClr val="CBD5E1"/>
+                </a:solidFill>
+                <a:latin typeface="Arimo"/>
+                <a:ea typeface="Arimo"/>
+                <a:cs typeface="Arimo"/>
+                <a:sym typeface="Arimo"/>
+              </a:rPr>
+              <a:t>).</a:t>
             </a:r>
           </a:p>
         </p:txBody>
@@ -23826,7 +24042,13 @@
           <p:cNvGraphicFramePr>
             <a:graphicFrameLocks noGrp="1"/>
           </p:cNvGraphicFramePr>
-          <p:nvPr/>
+          <p:nvPr>
+            <p:extLst>
+              <p:ext uri="{D42A27DB-BD31-4B8C-83A1-F6EECF244321}">
+                <p14:modId xmlns:p14="http://schemas.microsoft.com/office/powerpoint/2010/main" val="954281799"/>
+              </p:ext>
+            </p:extLst>
+          </p:nvPr>
         </p:nvGraphicFramePr>
         <p:xfrm>
           <a:off x="857250" y="4220617"/>
@@ -25342,7 +25564,7 @@
                         <a:defRPr/>
                       </a:pPr>
                       <a:r>
-                        <a:rPr lang="en-US" sz="2250">
+                        <a:rPr lang="en-US" sz="2250" dirty="0">
                           <a:solidFill>
                             <a:srgbClr val="CBD5E1"/>
                           </a:solidFill>
@@ -25351,9 +25573,33 @@
                           <a:cs typeface="Arimo"/>
                           <a:sym typeface="Arimo"/>
                         </a:rPr>
-                        <a:t>/produtos/[id}</a:t>
+                        <a:t>/</a:t>
                       </a:r>
-                      <a:endParaRPr lang="en-US" sz="1100"/>
+                      <a:r>
+                        <a:rPr lang="en-US" sz="2250" dirty="0" err="1">
+                          <a:solidFill>
+                            <a:srgbClr val="CBD5E1"/>
+                          </a:solidFill>
+                          <a:latin typeface="Arimo"/>
+                          <a:ea typeface="Arimo"/>
+                          <a:cs typeface="Arimo"/>
+                          <a:sym typeface="Arimo"/>
+                        </a:rPr>
+                        <a:t>usuarios</a:t>
+                      </a:r>
+                      <a:r>
+                        <a:rPr lang="en-US" sz="2250" dirty="0">
+                          <a:solidFill>
+                            <a:srgbClr val="CBD5E1"/>
+                          </a:solidFill>
+                          <a:latin typeface="Arimo"/>
+                          <a:ea typeface="Arimo"/>
+                          <a:cs typeface="Arimo"/>
+                          <a:sym typeface="Arimo"/>
+                        </a:rPr>
+                        <a:t>/[id}</a:t>
+                      </a:r>
+                      <a:endParaRPr lang="en-US" sz="1100" dirty="0"/>
                     </a:p>
                   </a:txBody>
                   <a:tcPr marL="63500" marR="63500" marT="63500" marB="63500" anchor="ctr">
@@ -25410,7 +25656,7 @@
                         <a:defRPr/>
                       </a:pPr>
                       <a:r>
-                        <a:rPr lang="en-US" sz="2250">
+                        <a:rPr lang="en-US" sz="2250" dirty="0" err="1">
                           <a:solidFill>
                             <a:srgbClr val="CBD5E1"/>
                           </a:solidFill>
@@ -25419,9 +25665,21 @@
                           <a:cs typeface="Arimo"/>
                           <a:sym typeface="Arimo"/>
                         </a:rPr>
-                        <a:t>Exclui um usuario</a:t>
+                        <a:t>Exclui</a:t>
                       </a:r>
-                      <a:endParaRPr lang="en-US" sz="1100"/>
+                      <a:r>
+                        <a:rPr lang="en-US" sz="2250" dirty="0">
+                          <a:solidFill>
+                            <a:srgbClr val="CBD5E1"/>
+                          </a:solidFill>
+                          <a:latin typeface="Arimo"/>
+                          <a:ea typeface="Arimo"/>
+                          <a:cs typeface="Arimo"/>
+                          <a:sym typeface="Arimo"/>
+                        </a:rPr>
+                        <a:t> um usuario</a:t>
+                      </a:r>
+                      <a:endParaRPr lang="en-US" sz="1100" dirty="0"/>
                     </a:p>
                   </a:txBody>
                   <a:tcPr marL="63500" marR="63500" marT="63500" marB="63500" anchor="ctr">
@@ -25478,7 +25736,7 @@
                         <a:defRPr/>
                       </a:pPr>
                       <a:r>
-                        <a:rPr lang="en-US" sz="2250">
+                        <a:rPr lang="en-US" sz="2250" dirty="0">
                           <a:solidFill>
                             <a:srgbClr val="CBD5E1"/>
                           </a:solidFill>
@@ -25489,7 +25747,7 @@
                         </a:rPr>
                         <a:t>ADMIN</a:t>
                       </a:r>
-                      <a:endParaRPr lang="en-US" sz="1100"/>
+                      <a:endParaRPr lang="en-US" sz="1100" dirty="0"/>
                     </a:p>
                   </a:txBody>
                   <a:tcPr marL="63500" marR="63500" marT="63500" marB="63500" anchor="ctr">
@@ -25550,7 +25808,13 @@
           <p:cNvGraphicFramePr>
             <a:graphicFrameLocks noGrp="1"/>
           </p:cNvGraphicFramePr>
-          <p:nvPr/>
+          <p:nvPr>
+            <p:extLst>
+              <p:ext uri="{D42A27DB-BD31-4B8C-83A1-F6EECF244321}">
+                <p14:modId xmlns:p14="http://schemas.microsoft.com/office/powerpoint/2010/main" val="218004216"/>
+              </p:ext>
+            </p:extLst>
+          </p:nvPr>
         </p:nvGraphicFramePr>
         <p:xfrm>
           <a:off x="857250" y="3263354"/>
@@ -26018,7 +26282,7 @@
                         <a:defRPr/>
                       </a:pPr>
                       <a:r>
-                        <a:rPr lang="en-US" sz="2250">
+                        <a:rPr lang="en-US" sz="2250" dirty="0" err="1">
                           <a:solidFill>
                             <a:srgbClr val="CBD5E1"/>
                           </a:solidFill>
@@ -26027,9 +26291,21 @@
                           <a:cs typeface="Arimo"/>
                           <a:sym typeface="Arimo"/>
                         </a:rPr>
-                        <a:t>Retorna proprio usuario</a:t>
+                        <a:t>Retorna</a:t>
                       </a:r>
-                      <a:endParaRPr lang="en-US" sz="1100"/>
+                      <a:r>
+                        <a:rPr lang="en-US" sz="2250" dirty="0">
+                          <a:solidFill>
+                            <a:srgbClr val="CBD5E1"/>
+                          </a:solidFill>
+                          <a:latin typeface="Arimo"/>
+                          <a:ea typeface="Arimo"/>
+                          <a:cs typeface="Arimo"/>
+                          <a:sym typeface="Arimo"/>
+                        </a:rPr>
+                        <a:t> proprio usuario</a:t>
+                      </a:r>
+                      <a:endParaRPr lang="en-US" sz="1100" dirty="0"/>
                     </a:p>
                   </a:txBody>
                   <a:tcPr marL="63500" marR="63500" marT="63500" marB="63500" anchor="ctr">
@@ -26576,7 +26852,7 @@
                         <a:defRPr/>
                       </a:pPr>
                       <a:r>
-                        <a:rPr lang="en-US" sz="2250">
+                        <a:rPr lang="en-US" sz="2250" dirty="0" err="1">
                           <a:solidFill>
                             <a:srgbClr val="CBD5E1"/>
                           </a:solidFill>
@@ -26585,9 +26861,33 @@
                           <a:cs typeface="Arimo"/>
                           <a:sym typeface="Arimo"/>
                         </a:rPr>
-                        <a:t>retorna usuario especifico</a:t>
+                        <a:t>retorna</a:t>
                       </a:r>
-                      <a:endParaRPr lang="en-US" sz="1100"/>
+                      <a:r>
+                        <a:rPr lang="en-US" sz="2250" dirty="0">
+                          <a:solidFill>
+                            <a:srgbClr val="CBD5E1"/>
+                          </a:solidFill>
+                          <a:latin typeface="Arimo"/>
+                          <a:ea typeface="Arimo"/>
+                          <a:cs typeface="Arimo"/>
+                          <a:sym typeface="Arimo"/>
+                        </a:rPr>
+                        <a:t> usuario </a:t>
+                      </a:r>
+                      <a:r>
+                        <a:rPr lang="en-US" sz="2250" dirty="0" err="1">
+                          <a:solidFill>
+                            <a:srgbClr val="CBD5E1"/>
+                          </a:solidFill>
+                          <a:latin typeface="Arimo"/>
+                          <a:ea typeface="Arimo"/>
+                          <a:cs typeface="Arimo"/>
+                          <a:sym typeface="Arimo"/>
+                        </a:rPr>
+                        <a:t>especifico</a:t>
+                      </a:r>
+                      <a:endParaRPr lang="en-US" sz="1100" dirty="0"/>
                     </a:p>
                   </a:txBody>
                   <a:tcPr marL="63500" marR="63500" marT="63500" marB="63500" anchor="ctr">
@@ -26855,7 +27155,7 @@
                         <a:defRPr/>
                       </a:pPr>
                       <a:r>
-                        <a:rPr lang="en-US" sz="2250">
+                        <a:rPr lang="en-US" sz="2250" dirty="0" err="1">
                           <a:solidFill>
                             <a:srgbClr val="CBD5E1"/>
                           </a:solidFill>
@@ -26864,9 +27164,21 @@
                           <a:cs typeface="Arimo"/>
                           <a:sym typeface="Arimo"/>
                         </a:rPr>
-                        <a:t>Cadastra usuario</a:t>
+                        <a:t>Cadastra</a:t>
                       </a:r>
-                      <a:endParaRPr lang="en-US" sz="1100"/>
+                      <a:r>
+                        <a:rPr lang="en-US" sz="2250" dirty="0">
+                          <a:solidFill>
+                            <a:srgbClr val="CBD5E1"/>
+                          </a:solidFill>
+                          <a:latin typeface="Arimo"/>
+                          <a:ea typeface="Arimo"/>
+                          <a:cs typeface="Arimo"/>
+                          <a:sym typeface="Arimo"/>
+                        </a:rPr>
+                        <a:t> usuario</a:t>
+                      </a:r>
+                      <a:endParaRPr lang="en-US" sz="1100" dirty="0"/>
                     </a:p>
                   </a:txBody>
                   <a:tcPr marL="63500" marR="63500" marT="63500" marB="63500" anchor="ctr">
@@ -27066,7 +27378,7 @@
                         <a:defRPr/>
                       </a:pPr>
                       <a:r>
-                        <a:rPr lang="en-US" sz="2250">
+                        <a:rPr lang="en-US" sz="2250" dirty="0">
                           <a:solidFill>
                             <a:srgbClr val="CBD5E1"/>
                           </a:solidFill>
@@ -27075,9 +27387,33 @@
                           <a:cs typeface="Arimo"/>
                           <a:sym typeface="Arimo"/>
                         </a:rPr>
-                        <a:t>/produtos/[id}</a:t>
+                        <a:t>/</a:t>
                       </a:r>
-                      <a:endParaRPr lang="en-US" sz="1100"/>
+                      <a:r>
+                        <a:rPr lang="en-US" sz="2250" dirty="0" err="1">
+                          <a:solidFill>
+                            <a:srgbClr val="CBD5E1"/>
+                          </a:solidFill>
+                          <a:latin typeface="Arimo"/>
+                          <a:ea typeface="Arimo"/>
+                          <a:cs typeface="Arimo"/>
+                          <a:sym typeface="Arimo"/>
+                        </a:rPr>
+                        <a:t>usuarios</a:t>
+                      </a:r>
+                      <a:r>
+                        <a:rPr lang="en-US" sz="2250" dirty="0">
+                          <a:solidFill>
+                            <a:srgbClr val="CBD5E1"/>
+                          </a:solidFill>
+                          <a:latin typeface="Arimo"/>
+                          <a:ea typeface="Arimo"/>
+                          <a:cs typeface="Arimo"/>
+                          <a:sym typeface="Arimo"/>
+                        </a:rPr>
+                        <a:t>/[id}</a:t>
+                      </a:r>
+                      <a:endParaRPr lang="en-US" sz="1100" dirty="0"/>
                     </a:p>
                   </a:txBody>
                   <a:tcPr marL="63500" marR="63500" marT="63500" marB="63500" anchor="ctr">
@@ -27134,7 +27470,7 @@
                         <a:defRPr/>
                       </a:pPr>
                       <a:r>
-                        <a:rPr lang="en-US" sz="2250">
+                        <a:rPr lang="en-US" sz="2250" dirty="0" err="1">
                           <a:solidFill>
                             <a:srgbClr val="CBD5E1"/>
                           </a:solidFill>
@@ -27143,9 +27479,21 @@
                           <a:cs typeface="Arimo"/>
                           <a:sym typeface="Arimo"/>
                         </a:rPr>
-                        <a:t>Atualiza produto</a:t>
+                        <a:t>Atualiza</a:t>
                       </a:r>
-                      <a:endParaRPr lang="en-US" sz="1100"/>
+                      <a:r>
+                        <a:rPr lang="en-US" sz="2250" dirty="0">
+                          <a:solidFill>
+                            <a:srgbClr val="CBD5E1"/>
+                          </a:solidFill>
+                          <a:latin typeface="Arimo"/>
+                          <a:ea typeface="Arimo"/>
+                          <a:cs typeface="Arimo"/>
+                          <a:sym typeface="Arimo"/>
+                        </a:rPr>
+                        <a:t> usuario</a:t>
+                      </a:r>
+                      <a:endParaRPr lang="en-US" sz="1100" dirty="0"/>
                     </a:p>
                   </a:txBody>
                   <a:tcPr marL="63500" marR="63500" marT="63500" marB="63500" anchor="ctr">
@@ -27202,7 +27550,7 @@
                         <a:defRPr/>
                       </a:pPr>
                       <a:r>
-                        <a:rPr lang="en-US" sz="2250">
+                        <a:rPr lang="en-US" sz="2250" dirty="0">
                           <a:solidFill>
                             <a:srgbClr val="CBD5E1"/>
                           </a:solidFill>
@@ -27213,7 +27561,7 @@
                         </a:rPr>
                         <a:t>ADMIN</a:t>
                       </a:r>
-                      <a:endParaRPr lang="en-US" sz="1100"/>
+                      <a:endParaRPr lang="en-US" sz="1100" dirty="0"/>
                     </a:p>
                   </a:txBody>
                   <a:tcPr marL="63500" marR="63500" marT="63500" marB="63500" anchor="ctr">
@@ -28535,7 +28883,7 @@
               </a:lnSpc>
             </a:pPr>
             <a:r>
-              <a:rPr lang="en-US" sz="5400" b="1">
+              <a:rPr lang="en-US" sz="5400" b="1" dirty="0" err="1">
                 <a:solidFill>
                   <a:srgbClr val="F8FAFC"/>
                 </a:solidFill>
@@ -28544,10 +28892,22 @@
                 <a:cs typeface="Arimo Bold"/>
                 <a:sym typeface="Arimo Bold"/>
               </a:rPr>
-              <a:t>Rotas da API </a:t>
-            </a:r>
-            <a:r>
-              <a:rPr lang="en-US" sz="5400" b="1">
+              <a:t>Rotas</a:t>
+            </a:r>
+            <a:r>
+              <a:rPr lang="en-US" sz="5400" b="1" dirty="0">
+                <a:solidFill>
+                  <a:srgbClr val="F8FAFC"/>
+                </a:solidFill>
+                <a:latin typeface="Arimo Bold"/>
+                <a:ea typeface="Arimo Bold"/>
+                <a:cs typeface="Arimo Bold"/>
+                <a:sym typeface="Arimo Bold"/>
+              </a:rPr>
+              <a:t> da API </a:t>
+            </a:r>
+            <a:r>
+              <a:rPr lang="en-US" sz="5400" b="1" dirty="0">
                 <a:solidFill>
                   <a:srgbClr val="A3E635"/>
                 </a:solidFill>
@@ -34926,7 +35286,7 @@
               </a:lnSpc>
             </a:pPr>
             <a:r>
-              <a:rPr lang="en-US" sz="2025">
+              <a:rPr lang="en-US" sz="2025" dirty="0">
                 <a:solidFill>
                   <a:srgbClr val="CBD5E1"/>
                 </a:solidFill>
@@ -34935,7 +35295,439 @@
                 <a:cs typeface="Arimo"/>
                 <a:sym typeface="Arimo"/>
               </a:rPr>
-              <a:t>O modelo é composto pelas entidades Usuario, Perfil, Categoria e Produto. Usuario e Perfil usam um relacionamento N:N (muitos para muitos), enquanto Categoria e Produto usam um relacionamento 1:N (um para muitos).</a:t>
+              <a:t>O </a:t>
+            </a:r>
+            <a:r>
+              <a:rPr lang="en-US" sz="2025" dirty="0" err="1">
+                <a:solidFill>
+                  <a:srgbClr val="CBD5E1"/>
+                </a:solidFill>
+                <a:latin typeface="Arimo"/>
+                <a:ea typeface="Arimo"/>
+                <a:cs typeface="Arimo"/>
+                <a:sym typeface="Arimo"/>
+              </a:rPr>
+              <a:t>modelo</a:t>
+            </a:r>
+            <a:r>
+              <a:rPr lang="en-US" sz="2025" dirty="0">
+                <a:solidFill>
+                  <a:srgbClr val="CBD5E1"/>
+                </a:solidFill>
+                <a:latin typeface="Arimo"/>
+                <a:ea typeface="Arimo"/>
+                <a:cs typeface="Arimo"/>
+                <a:sym typeface="Arimo"/>
+              </a:rPr>
+              <a:t> é </a:t>
+            </a:r>
+            <a:r>
+              <a:rPr lang="en-US" sz="2025" dirty="0" err="1">
+                <a:solidFill>
+                  <a:srgbClr val="CBD5E1"/>
+                </a:solidFill>
+                <a:latin typeface="Arimo"/>
+                <a:ea typeface="Arimo"/>
+                <a:cs typeface="Arimo"/>
+                <a:sym typeface="Arimo"/>
+              </a:rPr>
+              <a:t>composto</a:t>
+            </a:r>
+            <a:r>
+              <a:rPr lang="en-US" sz="2025" dirty="0">
+                <a:solidFill>
+                  <a:srgbClr val="CBD5E1"/>
+                </a:solidFill>
+                <a:latin typeface="Arimo"/>
+                <a:ea typeface="Arimo"/>
+                <a:cs typeface="Arimo"/>
+                <a:sym typeface="Arimo"/>
+              </a:rPr>
+              <a:t> </a:t>
+            </a:r>
+            <a:r>
+              <a:rPr lang="en-US" sz="2025" dirty="0" err="1">
+                <a:solidFill>
+                  <a:srgbClr val="CBD5E1"/>
+                </a:solidFill>
+                <a:latin typeface="Arimo"/>
+                <a:ea typeface="Arimo"/>
+                <a:cs typeface="Arimo"/>
+                <a:sym typeface="Arimo"/>
+              </a:rPr>
+              <a:t>pelas</a:t>
+            </a:r>
+            <a:r>
+              <a:rPr lang="en-US" sz="2025" dirty="0">
+                <a:solidFill>
+                  <a:srgbClr val="CBD5E1"/>
+                </a:solidFill>
+                <a:latin typeface="Arimo"/>
+                <a:ea typeface="Arimo"/>
+                <a:cs typeface="Arimo"/>
+                <a:sym typeface="Arimo"/>
+              </a:rPr>
+              <a:t> </a:t>
+            </a:r>
+            <a:r>
+              <a:rPr lang="en-US" sz="2025" dirty="0" err="1">
+                <a:solidFill>
+                  <a:srgbClr val="CBD5E1"/>
+                </a:solidFill>
+                <a:latin typeface="Arimo"/>
+                <a:ea typeface="Arimo"/>
+                <a:cs typeface="Arimo"/>
+                <a:sym typeface="Arimo"/>
+              </a:rPr>
+              <a:t>entidades</a:t>
+            </a:r>
+            <a:r>
+              <a:rPr lang="en-US" sz="2025" dirty="0">
+                <a:solidFill>
+                  <a:srgbClr val="CBD5E1"/>
+                </a:solidFill>
+                <a:latin typeface="Arimo"/>
+                <a:ea typeface="Arimo"/>
+                <a:cs typeface="Arimo"/>
+                <a:sym typeface="Arimo"/>
+              </a:rPr>
+              <a:t> Usuario, </a:t>
+            </a:r>
+            <a:r>
+              <a:rPr lang="en-US" sz="2025" dirty="0" err="1">
+                <a:solidFill>
+                  <a:srgbClr val="CBD5E1"/>
+                </a:solidFill>
+                <a:latin typeface="Arimo"/>
+                <a:ea typeface="Arimo"/>
+                <a:cs typeface="Arimo"/>
+                <a:sym typeface="Arimo"/>
+              </a:rPr>
+              <a:t>Perfil</a:t>
+            </a:r>
+            <a:r>
+              <a:rPr lang="en-US" sz="2025" dirty="0">
+                <a:solidFill>
+                  <a:srgbClr val="CBD5E1"/>
+                </a:solidFill>
+                <a:latin typeface="Arimo"/>
+                <a:ea typeface="Arimo"/>
+                <a:cs typeface="Arimo"/>
+                <a:sym typeface="Arimo"/>
+              </a:rPr>
+              <a:t>, </a:t>
+            </a:r>
+            <a:r>
+              <a:rPr lang="en-US" sz="2025" dirty="0" err="1">
+                <a:solidFill>
+                  <a:srgbClr val="CBD5E1"/>
+                </a:solidFill>
+                <a:latin typeface="Arimo"/>
+                <a:ea typeface="Arimo"/>
+                <a:cs typeface="Arimo"/>
+                <a:sym typeface="Arimo"/>
+              </a:rPr>
+              <a:t>Categoria</a:t>
+            </a:r>
+            <a:r>
+              <a:rPr lang="en-US" sz="2025" dirty="0">
+                <a:solidFill>
+                  <a:srgbClr val="CBD5E1"/>
+                </a:solidFill>
+                <a:latin typeface="Arimo"/>
+                <a:ea typeface="Arimo"/>
+                <a:cs typeface="Arimo"/>
+                <a:sym typeface="Arimo"/>
+              </a:rPr>
+              <a:t> e </a:t>
+            </a:r>
+            <a:r>
+              <a:rPr lang="en-US" sz="2025" dirty="0" err="1">
+                <a:solidFill>
+                  <a:srgbClr val="CBD5E1"/>
+                </a:solidFill>
+                <a:latin typeface="Arimo"/>
+                <a:ea typeface="Arimo"/>
+                <a:cs typeface="Arimo"/>
+                <a:sym typeface="Arimo"/>
+              </a:rPr>
+              <a:t>Produto</a:t>
+            </a:r>
+            <a:r>
+              <a:rPr lang="en-US" sz="2025" dirty="0">
+                <a:solidFill>
+                  <a:srgbClr val="CBD5E1"/>
+                </a:solidFill>
+                <a:latin typeface="Arimo"/>
+                <a:ea typeface="Arimo"/>
+                <a:cs typeface="Arimo"/>
+                <a:sym typeface="Arimo"/>
+              </a:rPr>
+              <a:t>. Usuario e </a:t>
+            </a:r>
+            <a:r>
+              <a:rPr lang="en-US" sz="2025" dirty="0" err="1">
+                <a:solidFill>
+                  <a:srgbClr val="CBD5E1"/>
+                </a:solidFill>
+                <a:latin typeface="Arimo"/>
+                <a:ea typeface="Arimo"/>
+                <a:cs typeface="Arimo"/>
+                <a:sym typeface="Arimo"/>
+              </a:rPr>
+              <a:t>Perfil</a:t>
+            </a:r>
+            <a:r>
+              <a:rPr lang="en-US" sz="2025" dirty="0">
+                <a:solidFill>
+                  <a:srgbClr val="CBD5E1"/>
+                </a:solidFill>
+                <a:latin typeface="Arimo"/>
+                <a:ea typeface="Arimo"/>
+                <a:cs typeface="Arimo"/>
+                <a:sym typeface="Arimo"/>
+              </a:rPr>
+              <a:t> </a:t>
+            </a:r>
+            <a:r>
+              <a:rPr lang="en-US" sz="2025" dirty="0" err="1">
+                <a:solidFill>
+                  <a:srgbClr val="CBD5E1"/>
+                </a:solidFill>
+                <a:latin typeface="Arimo"/>
+                <a:ea typeface="Arimo"/>
+                <a:cs typeface="Arimo"/>
+                <a:sym typeface="Arimo"/>
+              </a:rPr>
+              <a:t>usam</a:t>
+            </a:r>
+            <a:r>
+              <a:rPr lang="en-US" sz="2025" dirty="0">
+                <a:solidFill>
+                  <a:srgbClr val="CBD5E1"/>
+                </a:solidFill>
+                <a:latin typeface="Arimo"/>
+                <a:ea typeface="Arimo"/>
+                <a:cs typeface="Arimo"/>
+                <a:sym typeface="Arimo"/>
+              </a:rPr>
+              <a:t> um </a:t>
+            </a:r>
+            <a:r>
+              <a:rPr lang="en-US" sz="2025" dirty="0" err="1">
+                <a:solidFill>
+                  <a:srgbClr val="CBD5E1"/>
+                </a:solidFill>
+                <a:latin typeface="Arimo"/>
+                <a:ea typeface="Arimo"/>
+                <a:cs typeface="Arimo"/>
+                <a:sym typeface="Arimo"/>
+              </a:rPr>
+              <a:t>relacionamento</a:t>
+            </a:r>
+            <a:r>
+              <a:rPr lang="en-US" sz="2025" dirty="0">
+                <a:solidFill>
+                  <a:srgbClr val="CBD5E1"/>
+                </a:solidFill>
+                <a:latin typeface="Arimo"/>
+                <a:ea typeface="Arimo"/>
+                <a:cs typeface="Arimo"/>
+                <a:sym typeface="Arimo"/>
+              </a:rPr>
+              <a:t> N:N (</a:t>
+            </a:r>
+            <a:r>
+              <a:rPr lang="en-US" sz="2025" dirty="0" err="1">
+                <a:solidFill>
+                  <a:srgbClr val="CBD5E1"/>
+                </a:solidFill>
+                <a:latin typeface="Arimo"/>
+                <a:ea typeface="Arimo"/>
+                <a:cs typeface="Arimo"/>
+                <a:sym typeface="Arimo"/>
+              </a:rPr>
+              <a:t>muitos</a:t>
+            </a:r>
+            <a:r>
+              <a:rPr lang="en-US" sz="2025" dirty="0">
+                <a:solidFill>
+                  <a:srgbClr val="CBD5E1"/>
+                </a:solidFill>
+                <a:latin typeface="Arimo"/>
+                <a:ea typeface="Arimo"/>
+                <a:cs typeface="Arimo"/>
+                <a:sym typeface="Arimo"/>
+              </a:rPr>
+              <a:t> para </a:t>
+            </a:r>
+            <a:r>
+              <a:rPr lang="en-US" sz="2025" dirty="0" err="1">
+                <a:solidFill>
+                  <a:srgbClr val="CBD5E1"/>
+                </a:solidFill>
+                <a:latin typeface="Arimo"/>
+                <a:ea typeface="Arimo"/>
+                <a:cs typeface="Arimo"/>
+                <a:sym typeface="Arimo"/>
+              </a:rPr>
+              <a:t>muitos</a:t>
+            </a:r>
+            <a:r>
+              <a:rPr lang="en-US" sz="2025" dirty="0">
+                <a:solidFill>
+                  <a:srgbClr val="CBD5E1"/>
+                </a:solidFill>
+                <a:latin typeface="Arimo"/>
+                <a:ea typeface="Arimo"/>
+                <a:cs typeface="Arimo"/>
+                <a:sym typeface="Arimo"/>
+              </a:rPr>
+              <a:t>), </a:t>
+            </a:r>
+            <a:r>
+              <a:rPr lang="en-US" sz="2025" dirty="0" err="1">
+                <a:solidFill>
+                  <a:srgbClr val="CBD5E1"/>
+                </a:solidFill>
+                <a:latin typeface="Arimo"/>
+                <a:ea typeface="Arimo"/>
+                <a:cs typeface="Arimo"/>
+                <a:sym typeface="Arimo"/>
+              </a:rPr>
+              <a:t>enquanto</a:t>
+            </a:r>
+            <a:r>
+              <a:rPr lang="en-US" sz="2025" dirty="0">
+                <a:solidFill>
+                  <a:srgbClr val="CBD5E1"/>
+                </a:solidFill>
+                <a:latin typeface="Arimo"/>
+                <a:ea typeface="Arimo"/>
+                <a:cs typeface="Arimo"/>
+                <a:sym typeface="Arimo"/>
+              </a:rPr>
+              <a:t> </a:t>
+            </a:r>
+            <a:r>
+              <a:rPr lang="en-US" sz="2025" dirty="0" err="1">
+                <a:solidFill>
+                  <a:srgbClr val="CBD5E1"/>
+                </a:solidFill>
+                <a:latin typeface="Arimo"/>
+                <a:ea typeface="Arimo"/>
+                <a:cs typeface="Arimo"/>
+                <a:sym typeface="Arimo"/>
+              </a:rPr>
+              <a:t>Categoria</a:t>
+            </a:r>
+            <a:r>
+              <a:rPr lang="en-US" sz="2025" dirty="0">
+                <a:solidFill>
+                  <a:srgbClr val="CBD5E1"/>
+                </a:solidFill>
+                <a:latin typeface="Arimo"/>
+                <a:ea typeface="Arimo"/>
+                <a:cs typeface="Arimo"/>
+                <a:sym typeface="Arimo"/>
+              </a:rPr>
+              <a:t> e </a:t>
+            </a:r>
+            <a:r>
+              <a:rPr lang="en-US" sz="2025" dirty="0" err="1">
+                <a:solidFill>
+                  <a:srgbClr val="CBD5E1"/>
+                </a:solidFill>
+                <a:latin typeface="Arimo"/>
+                <a:ea typeface="Arimo"/>
+                <a:cs typeface="Arimo"/>
+                <a:sym typeface="Arimo"/>
+              </a:rPr>
+              <a:t>Produto</a:t>
+            </a:r>
+            <a:r>
+              <a:rPr lang="en-US" sz="2025" dirty="0">
+                <a:solidFill>
+                  <a:srgbClr val="CBD5E1"/>
+                </a:solidFill>
+                <a:latin typeface="Arimo"/>
+                <a:ea typeface="Arimo"/>
+                <a:cs typeface="Arimo"/>
+                <a:sym typeface="Arimo"/>
+              </a:rPr>
+              <a:t> </a:t>
+            </a:r>
+            <a:r>
+              <a:rPr lang="en-US" sz="2025" dirty="0" err="1">
+                <a:solidFill>
+                  <a:srgbClr val="CBD5E1"/>
+                </a:solidFill>
+                <a:latin typeface="Arimo"/>
+                <a:ea typeface="Arimo"/>
+                <a:cs typeface="Arimo"/>
+                <a:sym typeface="Arimo"/>
+              </a:rPr>
+              <a:t>usam</a:t>
+            </a:r>
+            <a:r>
+              <a:rPr lang="en-US" sz="2025" dirty="0">
+                <a:solidFill>
+                  <a:srgbClr val="CBD5E1"/>
+                </a:solidFill>
+                <a:latin typeface="Arimo"/>
+                <a:ea typeface="Arimo"/>
+                <a:cs typeface="Arimo"/>
+                <a:sym typeface="Arimo"/>
+              </a:rPr>
+              <a:t> um </a:t>
+            </a:r>
+            <a:r>
+              <a:rPr lang="en-US" sz="2025" dirty="0" err="1">
+                <a:solidFill>
+                  <a:srgbClr val="CBD5E1"/>
+                </a:solidFill>
+                <a:latin typeface="Arimo"/>
+                <a:ea typeface="Arimo"/>
+                <a:cs typeface="Arimo"/>
+                <a:sym typeface="Arimo"/>
+              </a:rPr>
+              <a:t>relacionamento</a:t>
+            </a:r>
+            <a:r>
+              <a:rPr lang="en-US" sz="2025" dirty="0">
+                <a:solidFill>
+                  <a:srgbClr val="CBD5E1"/>
+                </a:solidFill>
+                <a:latin typeface="Arimo"/>
+                <a:ea typeface="Arimo"/>
+                <a:cs typeface="Arimo"/>
+                <a:sym typeface="Arimo"/>
+              </a:rPr>
+              <a:t> 1:N (um para </a:t>
+            </a:r>
+            <a:r>
+              <a:rPr lang="en-US" sz="2025" dirty="0" err="1">
+                <a:solidFill>
+                  <a:srgbClr val="CBD5E1"/>
+                </a:solidFill>
+                <a:latin typeface="Arimo"/>
+                <a:ea typeface="Arimo"/>
+                <a:cs typeface="Arimo"/>
+                <a:sym typeface="Arimo"/>
+              </a:rPr>
+              <a:t>muitos</a:t>
+            </a:r>
+            <a:r>
+              <a:rPr lang="en-US" sz="2025" dirty="0">
+                <a:solidFill>
+                  <a:srgbClr val="CBD5E1"/>
+                </a:solidFill>
+                <a:latin typeface="Arimo"/>
+                <a:ea typeface="Arimo"/>
+                <a:cs typeface="Arimo"/>
+                <a:sym typeface="Arimo"/>
+              </a:rPr>
+              <a:t>).</a:t>
             </a:r>
           </a:p>
         </p:txBody>
@@ -34967,7 +35759,7 @@
               </a:lnSpc>
             </a:pPr>
             <a:r>
-              <a:rPr lang="en-US" sz="2250" b="1">
+              <a:rPr lang="en-US" sz="2250" b="1" dirty="0">
                 <a:solidFill>
                   <a:srgbClr val="F8FAFC"/>
                 </a:solidFill>
@@ -34979,7 +35771,7 @@
               <a:t>Usuario (1,n)</a:t>
             </a:r>
             <a:r>
-              <a:rPr lang="en-US" sz="2250">
+              <a:rPr lang="en-US" sz="2250" dirty="0">
                 <a:solidFill>
                   <a:srgbClr val="CBD5E1"/>
                 </a:solidFill>
@@ -34988,10 +35780,34 @@
                 <a:cs typeface="Arimo"/>
                 <a:sym typeface="Arimo"/>
               </a:rPr>
-              <a:t> possui </a:t>
-            </a:r>
-            <a:r>
-              <a:rPr lang="en-US" sz="2250" b="1">
+              <a:t> </a:t>
+            </a:r>
+            <a:r>
+              <a:rPr lang="en-US" sz="2250" dirty="0" err="1">
+                <a:solidFill>
+                  <a:srgbClr val="CBD5E1"/>
+                </a:solidFill>
+                <a:latin typeface="Arimo"/>
+                <a:ea typeface="Arimo"/>
+                <a:cs typeface="Arimo"/>
+                <a:sym typeface="Arimo"/>
+              </a:rPr>
+              <a:t>possui</a:t>
+            </a:r>
+            <a:r>
+              <a:rPr lang="en-US" sz="2250" dirty="0">
+                <a:solidFill>
+                  <a:srgbClr val="CBD5E1"/>
+                </a:solidFill>
+                <a:latin typeface="Arimo"/>
+                <a:ea typeface="Arimo"/>
+                <a:cs typeface="Arimo"/>
+                <a:sym typeface="Arimo"/>
+              </a:rPr>
+              <a:t> </a:t>
+            </a:r>
+            <a:r>
+              <a:rPr lang="en-US" sz="2250" b="1" dirty="0">
                 <a:solidFill>
                   <a:srgbClr val="F8FAFC"/>
                 </a:solidFill>
@@ -35000,8 +35816,29 @@
                 <a:cs typeface="Arimo Bold"/>
                 <a:sym typeface="Arimo Bold"/>
               </a:rPr>
-              <a:t>(1,n) Perfil</a:t>
-            </a:r>
+              <a:t>(1,n) </a:t>
+            </a:r>
+            <a:r>
+              <a:rPr lang="en-US" sz="2250" b="1" dirty="0" err="1">
+                <a:solidFill>
+                  <a:srgbClr val="F8FAFC"/>
+                </a:solidFill>
+                <a:latin typeface="Arimo Bold"/>
+                <a:ea typeface="Arimo Bold"/>
+                <a:cs typeface="Arimo Bold"/>
+                <a:sym typeface="Arimo Bold"/>
+              </a:rPr>
+              <a:t>Perfil</a:t>
+            </a:r>
+            <a:endParaRPr lang="en-US" sz="2250" b="1" dirty="0">
+              <a:solidFill>
+                <a:srgbClr val="F8FAFC"/>
+              </a:solidFill>
+              <a:latin typeface="Arimo Bold"/>
+              <a:ea typeface="Arimo Bold"/>
+              <a:cs typeface="Arimo Bold"/>
+              <a:sym typeface="Arimo Bold"/>
+            </a:endParaRPr>
           </a:p>
         </p:txBody>
       </p:sp>
